--- a/design.pptx
+++ b/design.pptx
@@ -7,6 +7,8 @@
   <p:sldIdLst>
     <p:sldId id="257" r:id="rId2"/>
     <p:sldId id="256" r:id="rId3"/>
+    <p:sldId id="259" r:id="rId4"/>
+    <p:sldId id="260" r:id="rId5"/>
   </p:sldIdLst>
   <p:sldSz cx="12192000" cy="6858000"/>
   <p:notesSz cx="6858000" cy="9144000"/>
@@ -105,6 +107,11 @@
       </a:defRPr>
     </a:lvl9pPr>
   </p:defaultTextStyle>
+  <p:extLst>
+    <p:ext uri="{EFAFB233-063F-42B5-8137-9DF3F51BA10A}">
+      <p15:sldGuideLst xmlns:p15="http://schemas.microsoft.com/office/powerpoint/2012/main"/>
+    </p:ext>
+  </p:extLst>
 </p:presentation>
 </file>
 
@@ -255,7 +262,7 @@
           <a:p>
             <a:fld id="{C4FAAF56-AC57-45B4-B044-F7F660036301}" type="datetimeFigureOut">
               <a:rPr lang="zh-CN" altLang="en-US" smtClean="0"/>
-              <a:t>2024/11/11</a:t>
+              <a:t>2024/11/12</a:t>
             </a:fld>
             <a:endParaRPr lang="zh-CN" altLang="en-US"/>
           </a:p>
@@ -453,7 +460,7 @@
           <a:p>
             <a:fld id="{C4FAAF56-AC57-45B4-B044-F7F660036301}" type="datetimeFigureOut">
               <a:rPr lang="zh-CN" altLang="en-US" smtClean="0"/>
-              <a:t>2024/11/11</a:t>
+              <a:t>2024/11/12</a:t>
             </a:fld>
             <a:endParaRPr lang="zh-CN" altLang="en-US"/>
           </a:p>
@@ -661,7 +668,7 @@
           <a:p>
             <a:fld id="{C4FAAF56-AC57-45B4-B044-F7F660036301}" type="datetimeFigureOut">
               <a:rPr lang="zh-CN" altLang="en-US" smtClean="0"/>
-              <a:t>2024/11/11</a:t>
+              <a:t>2024/11/12</a:t>
             </a:fld>
             <a:endParaRPr lang="zh-CN" altLang="en-US"/>
           </a:p>
@@ -859,7 +866,7 @@
           <a:p>
             <a:fld id="{C4FAAF56-AC57-45B4-B044-F7F660036301}" type="datetimeFigureOut">
               <a:rPr lang="zh-CN" altLang="en-US" smtClean="0"/>
-              <a:t>2024/11/11</a:t>
+              <a:t>2024/11/12</a:t>
             </a:fld>
             <a:endParaRPr lang="zh-CN" altLang="en-US"/>
           </a:p>
@@ -1134,7 +1141,7 @@
           <a:p>
             <a:fld id="{C4FAAF56-AC57-45B4-B044-F7F660036301}" type="datetimeFigureOut">
               <a:rPr lang="zh-CN" altLang="en-US" smtClean="0"/>
-              <a:t>2024/11/11</a:t>
+              <a:t>2024/11/12</a:t>
             </a:fld>
             <a:endParaRPr lang="zh-CN" altLang="en-US"/>
           </a:p>
@@ -1399,7 +1406,7 @@
           <a:p>
             <a:fld id="{C4FAAF56-AC57-45B4-B044-F7F660036301}" type="datetimeFigureOut">
               <a:rPr lang="zh-CN" altLang="en-US" smtClean="0"/>
-              <a:t>2024/11/11</a:t>
+              <a:t>2024/11/12</a:t>
             </a:fld>
             <a:endParaRPr lang="zh-CN" altLang="en-US"/>
           </a:p>
@@ -1811,7 +1818,7 @@
           <a:p>
             <a:fld id="{C4FAAF56-AC57-45B4-B044-F7F660036301}" type="datetimeFigureOut">
               <a:rPr lang="zh-CN" altLang="en-US" smtClean="0"/>
-              <a:t>2024/11/11</a:t>
+              <a:t>2024/11/12</a:t>
             </a:fld>
             <a:endParaRPr lang="zh-CN" altLang="en-US"/>
           </a:p>
@@ -1952,7 +1959,7 @@
           <a:p>
             <a:fld id="{C4FAAF56-AC57-45B4-B044-F7F660036301}" type="datetimeFigureOut">
               <a:rPr lang="zh-CN" altLang="en-US" smtClean="0"/>
-              <a:t>2024/11/11</a:t>
+              <a:t>2024/11/12</a:t>
             </a:fld>
             <a:endParaRPr lang="zh-CN" altLang="en-US"/>
           </a:p>
@@ -2065,7 +2072,7 @@
           <a:p>
             <a:fld id="{C4FAAF56-AC57-45B4-B044-F7F660036301}" type="datetimeFigureOut">
               <a:rPr lang="zh-CN" altLang="en-US" smtClean="0"/>
-              <a:t>2024/11/11</a:t>
+              <a:t>2024/11/12</a:t>
             </a:fld>
             <a:endParaRPr lang="zh-CN" altLang="en-US"/>
           </a:p>
@@ -2376,7 +2383,7 @@
           <a:p>
             <a:fld id="{C4FAAF56-AC57-45B4-B044-F7F660036301}" type="datetimeFigureOut">
               <a:rPr lang="zh-CN" altLang="en-US" smtClean="0"/>
-              <a:t>2024/11/11</a:t>
+              <a:t>2024/11/12</a:t>
             </a:fld>
             <a:endParaRPr lang="zh-CN" altLang="en-US"/>
           </a:p>
@@ -2664,7 +2671,7 @@
           <a:p>
             <a:fld id="{C4FAAF56-AC57-45B4-B044-F7F660036301}" type="datetimeFigureOut">
               <a:rPr lang="zh-CN" altLang="en-US" smtClean="0"/>
-              <a:t>2024/11/11</a:t>
+              <a:t>2024/11/12</a:t>
             </a:fld>
             <a:endParaRPr lang="zh-CN" altLang="en-US"/>
           </a:p>
@@ -2905,7 +2912,7 @@
           <a:p>
             <a:fld id="{C4FAAF56-AC57-45B4-B044-F7F660036301}" type="datetimeFigureOut">
               <a:rPr lang="zh-CN" altLang="en-US" smtClean="0"/>
-              <a:t>2024/11/11</a:t>
+              <a:t>2024/11/12</a:t>
             </a:fld>
             <a:endParaRPr lang="zh-CN" altLang="en-US"/>
           </a:p>
@@ -4434,6 +4441,1648 @@
 </p:sld>
 </file>
 
+<file path=ppt/slides/slide3.xml><?xml version="1.0" encoding="utf-8"?>
+<p:sld xmlns:a="http://schemas.openxmlformats.org/drawingml/2006/main" xmlns:r="http://schemas.openxmlformats.org/officeDocument/2006/relationships" xmlns:p="http://schemas.openxmlformats.org/presentationml/2006/main">
+  <p:cSld>
+    <p:spTree>
+      <p:nvGrpSpPr>
+        <p:cNvPr id="1" name=""/>
+        <p:cNvGrpSpPr/>
+        <p:nvPr/>
+      </p:nvGrpSpPr>
+      <p:grpSpPr>
+        <a:xfrm>
+          <a:off x="0" y="0"/>
+          <a:ext cx="0" cy="0"/>
+          <a:chOff x="0" y="0"/>
+          <a:chExt cx="0" cy="0"/>
+        </a:xfrm>
+      </p:grpSpPr>
+      <p:grpSp>
+        <p:nvGrpSpPr>
+          <p:cNvPr id="17" name="组合 16">
+            <a:extLst>
+              <a:ext uri="{FF2B5EF4-FFF2-40B4-BE49-F238E27FC236}">
+                <a16:creationId xmlns:a16="http://schemas.microsoft.com/office/drawing/2014/main" id="{BB938AF6-79A4-4414-811B-EE461CD8B5F1}"/>
+              </a:ext>
+            </a:extLst>
+          </p:cNvPr>
+          <p:cNvGrpSpPr/>
+          <p:nvPr/>
+        </p:nvGrpSpPr>
+        <p:grpSpPr>
+          <a:xfrm>
+            <a:off x="2269066" y="758613"/>
+            <a:ext cx="4450080" cy="4450080"/>
+            <a:chOff x="2269066" y="758613"/>
+            <a:chExt cx="4450080" cy="4450080"/>
+          </a:xfrm>
+        </p:grpSpPr>
+        <p:grpSp>
+          <p:nvGrpSpPr>
+            <p:cNvPr id="4" name="组合 3">
+              <a:extLst>
+                <a:ext uri="{FF2B5EF4-FFF2-40B4-BE49-F238E27FC236}">
+                  <a16:creationId xmlns:a16="http://schemas.microsoft.com/office/drawing/2014/main" id="{81B2F53A-540C-AF8A-4456-6BC5A13E435A}"/>
+                </a:ext>
+              </a:extLst>
+            </p:cNvPr>
+            <p:cNvGrpSpPr/>
+            <p:nvPr/>
+          </p:nvGrpSpPr>
+          <p:grpSpPr>
+            <a:xfrm>
+              <a:off x="2269066" y="758613"/>
+              <a:ext cx="4450080" cy="4450080"/>
+              <a:chOff x="2269066" y="758613"/>
+              <a:chExt cx="4450080" cy="4450080"/>
+            </a:xfrm>
+          </p:grpSpPr>
+          <p:sp>
+            <p:nvSpPr>
+              <p:cNvPr id="5" name="矩形 4">
+                <a:extLst>
+                  <a:ext uri="{FF2B5EF4-FFF2-40B4-BE49-F238E27FC236}">
+                    <a16:creationId xmlns:a16="http://schemas.microsoft.com/office/drawing/2014/main" id="{9AB657D5-32A5-442E-AEBA-A9B63D35022D}"/>
+                  </a:ext>
+                </a:extLst>
+              </p:cNvPr>
+              <p:cNvSpPr/>
+              <p:nvPr/>
+            </p:nvSpPr>
+            <p:spPr>
+              <a:xfrm>
+                <a:off x="2269066" y="758613"/>
+                <a:ext cx="4450080" cy="4450080"/>
+              </a:xfrm>
+              <a:prstGeom prst="rect">
+                <a:avLst/>
+              </a:prstGeom>
+              <a:solidFill>
+                <a:schemeClr val="bg1">
+                  <a:lumMod val="95000"/>
+                </a:schemeClr>
+              </a:solidFill>
+              <a:ln>
+                <a:noFill/>
+              </a:ln>
+            </p:spPr>
+            <p:style>
+              <a:lnRef idx="2">
+                <a:schemeClr val="accent1">
+                  <a:shade val="15000"/>
+                </a:schemeClr>
+              </a:lnRef>
+              <a:fillRef idx="1">
+                <a:schemeClr val="accent1"/>
+              </a:fillRef>
+              <a:effectRef idx="0">
+                <a:schemeClr val="accent1"/>
+              </a:effectRef>
+              <a:fontRef idx="minor">
+                <a:schemeClr val="lt1"/>
+              </a:fontRef>
+            </p:style>
+            <p:txBody>
+              <a:bodyPr rtlCol="0" anchor="ctr"/>
+              <a:lstStyle/>
+              <a:p>
+                <a:pPr algn="ctr"/>
+                <a:endParaRPr lang="zh-CN" altLang="en-US"/>
+              </a:p>
+            </p:txBody>
+          </p:sp>
+          <p:sp>
+            <p:nvSpPr>
+              <p:cNvPr id="6" name="椭圆 5">
+                <a:extLst>
+                  <a:ext uri="{FF2B5EF4-FFF2-40B4-BE49-F238E27FC236}">
+                    <a16:creationId xmlns:a16="http://schemas.microsoft.com/office/drawing/2014/main" id="{2DC4DCF0-3924-61A3-B9B3-1A1C4227865A}"/>
+                  </a:ext>
+                </a:extLst>
+              </p:cNvPr>
+              <p:cNvSpPr/>
+              <p:nvPr/>
+            </p:nvSpPr>
+            <p:spPr>
+              <a:xfrm>
+                <a:off x="3716877" y="1031250"/>
+                <a:ext cx="1554457" cy="1554457"/>
+              </a:xfrm>
+              <a:prstGeom prst="ellipse">
+                <a:avLst/>
+              </a:prstGeom>
+              <a:noFill/>
+              <a:ln w="38100">
+                <a:solidFill>
+                  <a:schemeClr val="accent2">
+                    <a:lumMod val="75000"/>
+                  </a:schemeClr>
+                </a:solidFill>
+                <a:prstDash val="sysDot"/>
+              </a:ln>
+            </p:spPr>
+            <p:style>
+              <a:lnRef idx="2">
+                <a:schemeClr val="accent1">
+                  <a:shade val="15000"/>
+                </a:schemeClr>
+              </a:lnRef>
+              <a:fillRef idx="1">
+                <a:schemeClr val="accent1"/>
+              </a:fillRef>
+              <a:effectRef idx="0">
+                <a:schemeClr val="accent1"/>
+              </a:effectRef>
+              <a:fontRef idx="minor">
+                <a:schemeClr val="lt1"/>
+              </a:fontRef>
+            </p:style>
+            <p:txBody>
+              <a:bodyPr rtlCol="0" anchor="ctr"/>
+              <a:lstStyle/>
+              <a:p>
+                <a:pPr algn="ctr"/>
+                <a:endParaRPr lang="zh-CN" altLang="en-US"/>
+              </a:p>
+            </p:txBody>
+          </p:sp>
+        </p:grpSp>
+        <p:sp>
+          <p:nvSpPr>
+            <p:cNvPr id="9" name="矩形: 圆角 8">
+              <a:extLst>
+                <a:ext uri="{FF2B5EF4-FFF2-40B4-BE49-F238E27FC236}">
+                  <a16:creationId xmlns:a16="http://schemas.microsoft.com/office/drawing/2014/main" id="{3703D5E6-F3DF-B8FD-BD19-328F902B1D50}"/>
+                </a:ext>
+              </a:extLst>
+            </p:cNvPr>
+            <p:cNvSpPr/>
+            <p:nvPr/>
+          </p:nvSpPr>
+          <p:spPr>
+            <a:xfrm>
+              <a:off x="3295225" y="1728893"/>
+              <a:ext cx="2397760" cy="3400214"/>
+            </a:xfrm>
+            <a:prstGeom prst="roundRect">
+              <a:avLst>
+                <a:gd name="adj" fmla="val 50000"/>
+              </a:avLst>
+            </a:prstGeom>
+            <a:solidFill>
+              <a:schemeClr val="bg1"/>
+            </a:solidFill>
+            <a:ln w="57150">
+              <a:solidFill>
+                <a:schemeClr val="tx1"/>
+              </a:solidFill>
+            </a:ln>
+          </p:spPr>
+          <p:style>
+            <a:lnRef idx="2">
+              <a:schemeClr val="accent1">
+                <a:shade val="15000"/>
+              </a:schemeClr>
+            </a:lnRef>
+            <a:fillRef idx="1">
+              <a:schemeClr val="accent1"/>
+            </a:fillRef>
+            <a:effectRef idx="0">
+              <a:schemeClr val="accent1"/>
+            </a:effectRef>
+            <a:fontRef idx="minor">
+              <a:schemeClr val="lt1"/>
+            </a:fontRef>
+          </p:style>
+          <p:txBody>
+            <a:bodyPr rtlCol="0" anchor="ctr"/>
+            <a:lstStyle/>
+            <a:p>
+              <a:pPr algn="ctr"/>
+              <a:endParaRPr lang="zh-CN" altLang="en-US"/>
+            </a:p>
+          </p:txBody>
+        </p:sp>
+        <p:cxnSp>
+          <p:nvCxnSpPr>
+            <p:cNvPr id="11" name="直接连接符 10">
+              <a:extLst>
+                <a:ext uri="{FF2B5EF4-FFF2-40B4-BE49-F238E27FC236}">
+                  <a16:creationId xmlns:a16="http://schemas.microsoft.com/office/drawing/2014/main" id="{C133BF44-B140-C477-CF4D-4AF00FD73079}"/>
+                </a:ext>
+              </a:extLst>
+            </p:cNvPr>
+            <p:cNvCxnSpPr/>
+            <p:nvPr/>
+          </p:nvCxnSpPr>
+          <p:spPr>
+            <a:xfrm>
+              <a:off x="3271520" y="2804160"/>
+              <a:ext cx="2418080" cy="0"/>
+            </a:xfrm>
+            <a:prstGeom prst="line">
+              <a:avLst/>
+            </a:prstGeom>
+            <a:ln w="38100">
+              <a:solidFill>
+                <a:schemeClr val="tx1"/>
+              </a:solidFill>
+            </a:ln>
+          </p:spPr>
+          <p:style>
+            <a:lnRef idx="1">
+              <a:schemeClr val="accent1"/>
+            </a:lnRef>
+            <a:fillRef idx="0">
+              <a:schemeClr val="accent1"/>
+            </a:fillRef>
+            <a:effectRef idx="0">
+              <a:schemeClr val="accent1"/>
+            </a:effectRef>
+            <a:fontRef idx="minor">
+              <a:schemeClr val="tx1"/>
+            </a:fontRef>
+          </p:style>
+        </p:cxnSp>
+        <p:sp>
+          <p:nvSpPr>
+            <p:cNvPr id="12" name="矩形: 圆角 11">
+              <a:extLst>
+                <a:ext uri="{FF2B5EF4-FFF2-40B4-BE49-F238E27FC236}">
+                  <a16:creationId xmlns:a16="http://schemas.microsoft.com/office/drawing/2014/main" id="{5AE04DA1-A0BE-4BE2-E64E-0FAC53082305}"/>
+                </a:ext>
+              </a:extLst>
+            </p:cNvPr>
+            <p:cNvSpPr/>
+            <p:nvPr/>
+          </p:nvSpPr>
+          <p:spPr>
+            <a:xfrm>
+              <a:off x="4328159" y="1954089"/>
+              <a:ext cx="304801" cy="770485"/>
+            </a:xfrm>
+            <a:prstGeom prst="roundRect">
+              <a:avLst>
+                <a:gd name="adj" fmla="val 50000"/>
+              </a:avLst>
+            </a:prstGeom>
+            <a:noFill/>
+            <a:ln w="28575">
+              <a:solidFill>
+                <a:schemeClr val="tx1"/>
+              </a:solidFill>
+            </a:ln>
+          </p:spPr>
+          <p:style>
+            <a:lnRef idx="2">
+              <a:schemeClr val="accent1">
+                <a:shade val="15000"/>
+              </a:schemeClr>
+            </a:lnRef>
+            <a:fillRef idx="1">
+              <a:schemeClr val="accent1"/>
+            </a:fillRef>
+            <a:effectRef idx="0">
+              <a:schemeClr val="accent1"/>
+            </a:effectRef>
+            <a:fontRef idx="minor">
+              <a:schemeClr val="lt1"/>
+            </a:fontRef>
+          </p:style>
+          <p:txBody>
+            <a:bodyPr rtlCol="0" anchor="ctr"/>
+            <a:lstStyle/>
+            <a:p>
+              <a:pPr algn="ctr"/>
+              <a:endParaRPr lang="zh-CN" altLang="en-US"/>
+            </a:p>
+          </p:txBody>
+        </p:sp>
+        <p:cxnSp>
+          <p:nvCxnSpPr>
+            <p:cNvPr id="14" name="直接连接符 13">
+              <a:extLst>
+                <a:ext uri="{FF2B5EF4-FFF2-40B4-BE49-F238E27FC236}">
+                  <a16:creationId xmlns:a16="http://schemas.microsoft.com/office/drawing/2014/main" id="{43AC72AF-655D-E3A8-4736-113B65A14348}"/>
+                </a:ext>
+              </a:extLst>
+            </p:cNvPr>
+            <p:cNvCxnSpPr/>
+            <p:nvPr/>
+          </p:nvCxnSpPr>
+          <p:spPr>
+            <a:xfrm>
+              <a:off x="4328159" y="2153920"/>
+              <a:ext cx="304801" cy="0"/>
+            </a:xfrm>
+            <a:prstGeom prst="line">
+              <a:avLst/>
+            </a:prstGeom>
+            <a:ln w="12700">
+              <a:solidFill>
+                <a:schemeClr val="tx1"/>
+              </a:solidFill>
+            </a:ln>
+          </p:spPr>
+          <p:style>
+            <a:lnRef idx="1">
+              <a:schemeClr val="accent1"/>
+            </a:lnRef>
+            <a:fillRef idx="0">
+              <a:schemeClr val="accent1"/>
+            </a:fillRef>
+            <a:effectRef idx="0">
+              <a:schemeClr val="accent1"/>
+            </a:effectRef>
+            <a:fontRef idx="minor">
+              <a:schemeClr val="tx1"/>
+            </a:fontRef>
+          </p:style>
+        </p:cxnSp>
+        <p:cxnSp>
+          <p:nvCxnSpPr>
+            <p:cNvPr id="15" name="直接连接符 14">
+              <a:extLst>
+                <a:ext uri="{FF2B5EF4-FFF2-40B4-BE49-F238E27FC236}">
+                  <a16:creationId xmlns:a16="http://schemas.microsoft.com/office/drawing/2014/main" id="{3FB68FD5-969C-D87B-1895-16A0CC220D1C}"/>
+                </a:ext>
+              </a:extLst>
+            </p:cNvPr>
+            <p:cNvCxnSpPr/>
+            <p:nvPr/>
+          </p:nvCxnSpPr>
+          <p:spPr>
+            <a:xfrm>
+              <a:off x="4328158" y="2322825"/>
+              <a:ext cx="304801" cy="0"/>
+            </a:xfrm>
+            <a:prstGeom prst="line">
+              <a:avLst/>
+            </a:prstGeom>
+            <a:ln w="12700">
+              <a:solidFill>
+                <a:schemeClr val="tx1"/>
+              </a:solidFill>
+            </a:ln>
+          </p:spPr>
+          <p:style>
+            <a:lnRef idx="1">
+              <a:schemeClr val="accent1"/>
+            </a:lnRef>
+            <a:fillRef idx="0">
+              <a:schemeClr val="accent1"/>
+            </a:fillRef>
+            <a:effectRef idx="0">
+              <a:schemeClr val="accent1"/>
+            </a:effectRef>
+            <a:fontRef idx="minor">
+              <a:schemeClr val="tx1"/>
+            </a:fontRef>
+          </p:style>
+        </p:cxnSp>
+        <p:cxnSp>
+          <p:nvCxnSpPr>
+            <p:cNvPr id="16" name="直接连接符 15">
+              <a:extLst>
+                <a:ext uri="{FF2B5EF4-FFF2-40B4-BE49-F238E27FC236}">
+                  <a16:creationId xmlns:a16="http://schemas.microsoft.com/office/drawing/2014/main" id="{53D6AA67-DFA7-9403-CF69-062D0013C85D}"/>
+                </a:ext>
+              </a:extLst>
+            </p:cNvPr>
+            <p:cNvCxnSpPr/>
+            <p:nvPr/>
+          </p:nvCxnSpPr>
+          <p:spPr>
+            <a:xfrm>
+              <a:off x="4328157" y="2491731"/>
+              <a:ext cx="304801" cy="0"/>
+            </a:xfrm>
+            <a:prstGeom prst="line">
+              <a:avLst/>
+            </a:prstGeom>
+            <a:ln w="12700">
+              <a:solidFill>
+                <a:schemeClr val="tx1"/>
+              </a:solidFill>
+            </a:ln>
+          </p:spPr>
+          <p:style>
+            <a:lnRef idx="1">
+              <a:schemeClr val="accent1"/>
+            </a:lnRef>
+            <a:fillRef idx="0">
+              <a:schemeClr val="accent1"/>
+            </a:fillRef>
+            <a:effectRef idx="0">
+              <a:schemeClr val="accent1"/>
+            </a:effectRef>
+            <a:fontRef idx="minor">
+              <a:schemeClr val="tx1"/>
+            </a:fontRef>
+          </p:style>
+        </p:cxnSp>
+      </p:grpSp>
+    </p:spTree>
+    <p:extLst>
+      <p:ext uri="{BB962C8B-B14F-4D97-AF65-F5344CB8AC3E}">
+        <p14:creationId xmlns:p14="http://schemas.microsoft.com/office/powerpoint/2010/main" val="2502300923"/>
+      </p:ext>
+    </p:extLst>
+  </p:cSld>
+  <p:clrMapOvr>
+    <a:masterClrMapping/>
+  </p:clrMapOvr>
+</p:sld>
+</file>
+
+<file path=ppt/slides/slide4.xml><?xml version="1.0" encoding="utf-8"?>
+<p:sld xmlns:a="http://schemas.openxmlformats.org/drawingml/2006/main" xmlns:r="http://schemas.openxmlformats.org/officeDocument/2006/relationships" xmlns:p="http://schemas.openxmlformats.org/presentationml/2006/main">
+  <p:cSld>
+    <p:spTree>
+      <p:nvGrpSpPr>
+        <p:cNvPr id="1" name=""/>
+        <p:cNvGrpSpPr/>
+        <p:nvPr/>
+      </p:nvGrpSpPr>
+      <p:grpSpPr>
+        <a:xfrm>
+          <a:off x="0" y="0"/>
+          <a:ext cx="0" cy="0"/>
+          <a:chOff x="0" y="0"/>
+          <a:chExt cx="0" cy="0"/>
+        </a:xfrm>
+      </p:grpSpPr>
+      <p:grpSp>
+        <p:nvGrpSpPr>
+          <p:cNvPr id="36" name="组合 35">
+            <a:extLst>
+              <a:ext uri="{FF2B5EF4-FFF2-40B4-BE49-F238E27FC236}">
+                <a16:creationId xmlns:a16="http://schemas.microsoft.com/office/drawing/2014/main" id="{F21A9A3F-9141-A95D-F294-30F87B0E4374}"/>
+              </a:ext>
+            </a:extLst>
+          </p:cNvPr>
+          <p:cNvGrpSpPr/>
+          <p:nvPr/>
+        </p:nvGrpSpPr>
+        <p:grpSpPr>
+          <a:xfrm>
+            <a:off x="1104053" y="494453"/>
+            <a:ext cx="9435254" cy="5716694"/>
+            <a:chOff x="1104053" y="494453"/>
+            <a:chExt cx="9435254" cy="5716694"/>
+          </a:xfrm>
+        </p:grpSpPr>
+        <p:sp>
+          <p:nvSpPr>
+            <p:cNvPr id="4" name="矩形 3">
+              <a:extLst>
+                <a:ext uri="{FF2B5EF4-FFF2-40B4-BE49-F238E27FC236}">
+                  <a16:creationId xmlns:a16="http://schemas.microsoft.com/office/drawing/2014/main" id="{2F912358-2721-FF15-4FF3-EBFED3EE975D}"/>
+                </a:ext>
+              </a:extLst>
+            </p:cNvPr>
+            <p:cNvSpPr/>
+            <p:nvPr/>
+          </p:nvSpPr>
+          <p:spPr>
+            <a:xfrm>
+              <a:off x="1104053" y="494453"/>
+              <a:ext cx="9435254" cy="5716694"/>
+            </a:xfrm>
+            <a:prstGeom prst="rect">
+              <a:avLst/>
+            </a:prstGeom>
+            <a:solidFill>
+              <a:schemeClr val="bg1"/>
+            </a:solidFill>
+            <a:ln>
+              <a:solidFill>
+                <a:schemeClr val="tx1"/>
+              </a:solidFill>
+            </a:ln>
+          </p:spPr>
+          <p:style>
+            <a:lnRef idx="2">
+              <a:schemeClr val="accent1">
+                <a:shade val="15000"/>
+              </a:schemeClr>
+            </a:lnRef>
+            <a:fillRef idx="1">
+              <a:schemeClr val="accent1"/>
+            </a:fillRef>
+            <a:effectRef idx="0">
+              <a:schemeClr val="accent1"/>
+            </a:effectRef>
+            <a:fontRef idx="minor">
+              <a:schemeClr val="lt1"/>
+            </a:fontRef>
+          </p:style>
+          <p:txBody>
+            <a:bodyPr rtlCol="0" anchor="ctr"/>
+            <a:lstStyle/>
+            <a:p>
+              <a:pPr algn="ctr"/>
+              <a:endParaRPr lang="zh-CN" altLang="en-US" dirty="0">
+                <a:solidFill>
+                  <a:schemeClr val="tx1"/>
+                </a:solidFill>
+              </a:endParaRPr>
+            </a:p>
+          </p:txBody>
+        </p:sp>
+        <p:sp>
+          <p:nvSpPr>
+            <p:cNvPr id="21" name="矩形 20">
+              <a:extLst>
+                <a:ext uri="{FF2B5EF4-FFF2-40B4-BE49-F238E27FC236}">
+                  <a16:creationId xmlns:a16="http://schemas.microsoft.com/office/drawing/2014/main" id="{BD5016E7-5619-E5FE-9207-90B6DFF24D9B}"/>
+                </a:ext>
+              </a:extLst>
+            </p:cNvPr>
+            <p:cNvSpPr/>
+            <p:nvPr/>
+          </p:nvSpPr>
+          <p:spPr>
+            <a:xfrm>
+              <a:off x="2807184" y="806027"/>
+              <a:ext cx="6038439" cy="5405120"/>
+            </a:xfrm>
+            <a:prstGeom prst="rect">
+              <a:avLst/>
+            </a:prstGeom>
+            <a:solidFill>
+              <a:schemeClr val="bg1">
+                <a:lumMod val="95000"/>
+              </a:schemeClr>
+            </a:solidFill>
+            <a:ln>
+              <a:noFill/>
+            </a:ln>
+          </p:spPr>
+          <p:style>
+            <a:lnRef idx="2">
+              <a:schemeClr val="accent1">
+                <a:shade val="15000"/>
+              </a:schemeClr>
+            </a:lnRef>
+            <a:fillRef idx="1">
+              <a:schemeClr val="accent1"/>
+            </a:fillRef>
+            <a:effectRef idx="0">
+              <a:schemeClr val="accent1"/>
+            </a:effectRef>
+            <a:fontRef idx="minor">
+              <a:schemeClr val="lt1"/>
+            </a:fontRef>
+          </p:style>
+          <p:txBody>
+            <a:bodyPr rtlCol="0" anchor="ctr"/>
+            <a:lstStyle/>
+            <a:p>
+              <a:pPr algn="ctr"/>
+              <a:r>
+                <a:rPr lang="en-US" altLang="zh-CN" dirty="0">
+                  <a:solidFill>
+                    <a:schemeClr val="tx1"/>
+                  </a:solidFill>
+                </a:rPr>
+                <a:t>Double Click Empty Area to Close Tabs</a:t>
+              </a:r>
+              <a:endParaRPr lang="zh-CN" altLang="en-US" dirty="0">
+                <a:solidFill>
+                  <a:schemeClr val="tx1"/>
+                </a:solidFill>
+              </a:endParaRPr>
+            </a:p>
+          </p:txBody>
+        </p:sp>
+        <p:sp>
+          <p:nvSpPr>
+            <p:cNvPr id="5" name="矩形 4">
+              <a:extLst>
+                <a:ext uri="{FF2B5EF4-FFF2-40B4-BE49-F238E27FC236}">
+                  <a16:creationId xmlns:a16="http://schemas.microsoft.com/office/drawing/2014/main" id="{B2121EDF-7FD5-4396-B41A-EAD2312709A0}"/>
+                </a:ext>
+              </a:extLst>
+            </p:cNvPr>
+            <p:cNvSpPr/>
+            <p:nvPr/>
+          </p:nvSpPr>
+          <p:spPr>
+            <a:xfrm>
+              <a:off x="1104053" y="494453"/>
+              <a:ext cx="9435254" cy="311574"/>
+            </a:xfrm>
+            <a:prstGeom prst="rect">
+              <a:avLst/>
+            </a:prstGeom>
+            <a:solidFill>
+              <a:schemeClr val="bg1">
+                <a:lumMod val="85000"/>
+              </a:schemeClr>
+            </a:solidFill>
+          </p:spPr>
+          <p:style>
+            <a:lnRef idx="2">
+              <a:schemeClr val="accent1">
+                <a:shade val="15000"/>
+              </a:schemeClr>
+            </a:lnRef>
+            <a:fillRef idx="1">
+              <a:schemeClr val="accent1"/>
+            </a:fillRef>
+            <a:effectRef idx="0">
+              <a:schemeClr val="accent1"/>
+            </a:effectRef>
+            <a:fontRef idx="minor">
+              <a:schemeClr val="lt1"/>
+            </a:fontRef>
+          </p:style>
+          <p:txBody>
+            <a:bodyPr rtlCol="0" anchor="ctr"/>
+            <a:lstStyle/>
+            <a:p>
+              <a:pPr algn="ctr"/>
+              <a:endParaRPr lang="zh-CN" altLang="en-US"/>
+            </a:p>
+          </p:txBody>
+        </p:sp>
+        <p:sp>
+          <p:nvSpPr>
+            <p:cNvPr id="6" name="矩形 5">
+              <a:extLst>
+                <a:ext uri="{FF2B5EF4-FFF2-40B4-BE49-F238E27FC236}">
+                  <a16:creationId xmlns:a16="http://schemas.microsoft.com/office/drawing/2014/main" id="{4EA3B846-1C77-FD82-2653-E7FAB75D9119}"/>
+                </a:ext>
+              </a:extLst>
+            </p:cNvPr>
+            <p:cNvSpPr/>
+            <p:nvPr/>
+          </p:nvSpPr>
+          <p:spPr>
+            <a:xfrm>
+              <a:off x="10051627" y="494453"/>
+              <a:ext cx="487680" cy="311574"/>
+            </a:xfrm>
+            <a:prstGeom prst="rect">
+              <a:avLst/>
+            </a:prstGeom>
+            <a:solidFill>
+              <a:schemeClr val="bg1">
+                <a:lumMod val="75000"/>
+              </a:schemeClr>
+            </a:solidFill>
+          </p:spPr>
+          <p:style>
+            <a:lnRef idx="2">
+              <a:schemeClr val="accent1">
+                <a:shade val="15000"/>
+              </a:schemeClr>
+            </a:lnRef>
+            <a:fillRef idx="1">
+              <a:schemeClr val="accent1"/>
+            </a:fillRef>
+            <a:effectRef idx="0">
+              <a:schemeClr val="accent1"/>
+            </a:effectRef>
+            <a:fontRef idx="minor">
+              <a:schemeClr val="lt1"/>
+            </a:fontRef>
+          </p:style>
+          <p:txBody>
+            <a:bodyPr rtlCol="0" anchor="ctr"/>
+            <a:lstStyle/>
+            <a:p>
+              <a:pPr algn="ctr"/>
+              <a:endParaRPr lang="zh-CN" altLang="en-US"/>
+            </a:p>
+          </p:txBody>
+        </p:sp>
+        <p:sp>
+          <p:nvSpPr>
+            <p:cNvPr id="7" name="矩形 6">
+              <a:extLst>
+                <a:ext uri="{FF2B5EF4-FFF2-40B4-BE49-F238E27FC236}">
+                  <a16:creationId xmlns:a16="http://schemas.microsoft.com/office/drawing/2014/main" id="{8DC1BCEA-FF92-FBF1-E5C5-5182B071535C}"/>
+                </a:ext>
+              </a:extLst>
+            </p:cNvPr>
+            <p:cNvSpPr/>
+            <p:nvPr/>
+          </p:nvSpPr>
+          <p:spPr>
+            <a:xfrm>
+              <a:off x="9563947" y="494453"/>
+              <a:ext cx="487680" cy="311574"/>
+            </a:xfrm>
+            <a:prstGeom prst="rect">
+              <a:avLst/>
+            </a:prstGeom>
+            <a:solidFill>
+              <a:schemeClr val="bg1">
+                <a:lumMod val="75000"/>
+              </a:schemeClr>
+            </a:solidFill>
+          </p:spPr>
+          <p:style>
+            <a:lnRef idx="2">
+              <a:schemeClr val="accent1">
+                <a:shade val="15000"/>
+              </a:schemeClr>
+            </a:lnRef>
+            <a:fillRef idx="1">
+              <a:schemeClr val="accent1"/>
+            </a:fillRef>
+            <a:effectRef idx="0">
+              <a:schemeClr val="accent1"/>
+            </a:effectRef>
+            <a:fontRef idx="minor">
+              <a:schemeClr val="lt1"/>
+            </a:fontRef>
+          </p:style>
+          <p:txBody>
+            <a:bodyPr rtlCol="0" anchor="ctr"/>
+            <a:lstStyle/>
+            <a:p>
+              <a:pPr algn="ctr"/>
+              <a:endParaRPr lang="zh-CN" altLang="en-US"/>
+            </a:p>
+          </p:txBody>
+        </p:sp>
+        <p:sp>
+          <p:nvSpPr>
+            <p:cNvPr id="8" name="矩形 7">
+              <a:extLst>
+                <a:ext uri="{FF2B5EF4-FFF2-40B4-BE49-F238E27FC236}">
+                  <a16:creationId xmlns:a16="http://schemas.microsoft.com/office/drawing/2014/main" id="{3FF737D5-88AF-760F-0098-A25CD927C958}"/>
+                </a:ext>
+              </a:extLst>
+            </p:cNvPr>
+            <p:cNvSpPr/>
+            <p:nvPr/>
+          </p:nvSpPr>
+          <p:spPr>
+            <a:xfrm>
+              <a:off x="9076267" y="494453"/>
+              <a:ext cx="487680" cy="311574"/>
+            </a:xfrm>
+            <a:prstGeom prst="rect">
+              <a:avLst/>
+            </a:prstGeom>
+            <a:solidFill>
+              <a:schemeClr val="bg1">
+                <a:lumMod val="75000"/>
+              </a:schemeClr>
+            </a:solidFill>
+          </p:spPr>
+          <p:style>
+            <a:lnRef idx="2">
+              <a:schemeClr val="accent1">
+                <a:shade val="15000"/>
+              </a:schemeClr>
+            </a:lnRef>
+            <a:fillRef idx="1">
+              <a:schemeClr val="accent1"/>
+            </a:fillRef>
+            <a:effectRef idx="0">
+              <a:schemeClr val="accent1"/>
+            </a:effectRef>
+            <a:fontRef idx="minor">
+              <a:schemeClr val="lt1"/>
+            </a:fontRef>
+          </p:style>
+          <p:txBody>
+            <a:bodyPr rtlCol="0" anchor="ctr"/>
+            <a:lstStyle/>
+            <a:p>
+              <a:pPr algn="ctr"/>
+              <a:endParaRPr lang="zh-CN" altLang="en-US"/>
+            </a:p>
+          </p:txBody>
+        </p:sp>
+        <p:sp>
+          <p:nvSpPr>
+            <p:cNvPr id="19" name="矩形 18">
+              <a:extLst>
+                <a:ext uri="{FF2B5EF4-FFF2-40B4-BE49-F238E27FC236}">
+                  <a16:creationId xmlns:a16="http://schemas.microsoft.com/office/drawing/2014/main" id="{565DFC9D-12C5-3A41-0F55-3FBB4E6D7E9C}"/>
+                </a:ext>
+              </a:extLst>
+            </p:cNvPr>
+            <p:cNvSpPr/>
+            <p:nvPr/>
+          </p:nvSpPr>
+          <p:spPr>
+            <a:xfrm>
+              <a:off x="1104053" y="494453"/>
+              <a:ext cx="1808480" cy="311574"/>
+            </a:xfrm>
+            <a:prstGeom prst="rect">
+              <a:avLst/>
+            </a:prstGeom>
+            <a:solidFill>
+              <a:schemeClr val="bg1">
+                <a:lumMod val="65000"/>
+              </a:schemeClr>
+            </a:solidFill>
+          </p:spPr>
+          <p:style>
+            <a:lnRef idx="2">
+              <a:schemeClr val="accent1">
+                <a:shade val="15000"/>
+              </a:schemeClr>
+            </a:lnRef>
+            <a:fillRef idx="1">
+              <a:schemeClr val="accent1"/>
+            </a:fillRef>
+            <a:effectRef idx="0">
+              <a:schemeClr val="accent1"/>
+            </a:effectRef>
+            <a:fontRef idx="minor">
+              <a:schemeClr val="lt1"/>
+            </a:fontRef>
+          </p:style>
+          <p:txBody>
+            <a:bodyPr rtlCol="0" anchor="ctr"/>
+            <a:lstStyle/>
+            <a:p>
+              <a:pPr algn="ctr"/>
+              <a:endParaRPr lang="zh-CN" altLang="en-US"/>
+            </a:p>
+          </p:txBody>
+        </p:sp>
+        <p:sp>
+          <p:nvSpPr>
+            <p:cNvPr id="20" name="矩形 19">
+              <a:extLst>
+                <a:ext uri="{FF2B5EF4-FFF2-40B4-BE49-F238E27FC236}">
+                  <a16:creationId xmlns:a16="http://schemas.microsoft.com/office/drawing/2014/main" id="{5A8ED381-AA65-A495-8D4A-AAC952BBF40E}"/>
+                </a:ext>
+              </a:extLst>
+            </p:cNvPr>
+            <p:cNvSpPr/>
+            <p:nvPr/>
+          </p:nvSpPr>
+          <p:spPr>
+            <a:xfrm>
+              <a:off x="2912533" y="494453"/>
+              <a:ext cx="1808480" cy="311574"/>
+            </a:xfrm>
+            <a:prstGeom prst="rect">
+              <a:avLst/>
+            </a:prstGeom>
+            <a:solidFill>
+              <a:schemeClr val="bg1">
+                <a:lumMod val="65000"/>
+              </a:schemeClr>
+            </a:solidFill>
+            <a:ln w="28575">
+              <a:solidFill>
+                <a:srgbClr val="FF0000"/>
+              </a:solidFill>
+              <a:prstDash val="dash"/>
+            </a:ln>
+          </p:spPr>
+          <p:style>
+            <a:lnRef idx="2">
+              <a:schemeClr val="accent1">
+                <a:shade val="15000"/>
+              </a:schemeClr>
+            </a:lnRef>
+            <a:fillRef idx="1">
+              <a:schemeClr val="accent1"/>
+            </a:fillRef>
+            <a:effectRef idx="0">
+              <a:schemeClr val="accent1"/>
+            </a:effectRef>
+            <a:fontRef idx="minor">
+              <a:schemeClr val="lt1"/>
+            </a:fontRef>
+          </p:style>
+          <p:txBody>
+            <a:bodyPr rtlCol="0" anchor="ctr"/>
+            <a:lstStyle/>
+            <a:p>
+              <a:pPr algn="ctr"/>
+              <a:endParaRPr lang="zh-CN" altLang="en-US"/>
+            </a:p>
+          </p:txBody>
+        </p:sp>
+        <p:grpSp>
+          <p:nvGrpSpPr>
+            <p:cNvPr id="2" name="组合 1">
+              <a:extLst>
+                <a:ext uri="{FF2B5EF4-FFF2-40B4-BE49-F238E27FC236}">
+                  <a16:creationId xmlns:a16="http://schemas.microsoft.com/office/drawing/2014/main" id="{CB08AEAE-A346-A27F-8A02-9E9337EA957E}"/>
+                </a:ext>
+              </a:extLst>
+            </p:cNvPr>
+            <p:cNvGrpSpPr/>
+            <p:nvPr/>
+          </p:nvGrpSpPr>
+          <p:grpSpPr>
+            <a:xfrm>
+              <a:off x="1624469" y="3352800"/>
+              <a:ext cx="928782" cy="1571782"/>
+              <a:chOff x="3271520" y="1031250"/>
+              <a:chExt cx="2421465" cy="4097857"/>
+            </a:xfrm>
+          </p:grpSpPr>
+          <p:sp>
+            <p:nvSpPr>
+              <p:cNvPr id="27" name="椭圆 26">
+                <a:extLst>
+                  <a:ext uri="{FF2B5EF4-FFF2-40B4-BE49-F238E27FC236}">
+                    <a16:creationId xmlns:a16="http://schemas.microsoft.com/office/drawing/2014/main" id="{914734F5-5893-3DC4-4231-88EDFBC5A99D}"/>
+                  </a:ext>
+                </a:extLst>
+              </p:cNvPr>
+              <p:cNvSpPr/>
+              <p:nvPr/>
+            </p:nvSpPr>
+            <p:spPr>
+              <a:xfrm>
+                <a:off x="3716877" y="1031250"/>
+                <a:ext cx="1554456" cy="1554456"/>
+              </a:xfrm>
+              <a:prstGeom prst="ellipse">
+                <a:avLst/>
+              </a:prstGeom>
+              <a:noFill/>
+              <a:ln w="38100">
+                <a:solidFill>
+                  <a:schemeClr val="accent2">
+                    <a:lumMod val="75000"/>
+                  </a:schemeClr>
+                </a:solidFill>
+                <a:prstDash val="sysDot"/>
+              </a:ln>
+            </p:spPr>
+            <p:style>
+              <a:lnRef idx="2">
+                <a:schemeClr val="accent1">
+                  <a:shade val="15000"/>
+                </a:schemeClr>
+              </a:lnRef>
+              <a:fillRef idx="1">
+                <a:schemeClr val="accent1"/>
+              </a:fillRef>
+              <a:effectRef idx="0">
+                <a:schemeClr val="accent1"/>
+              </a:effectRef>
+              <a:fontRef idx="minor">
+                <a:schemeClr val="lt1"/>
+              </a:fontRef>
+            </p:style>
+            <p:txBody>
+              <a:bodyPr rtlCol="0" anchor="ctr"/>
+              <a:lstStyle/>
+              <a:p>
+                <a:pPr algn="ctr"/>
+                <a:endParaRPr lang="zh-CN" altLang="en-US"/>
+              </a:p>
+            </p:txBody>
+          </p:sp>
+          <p:sp>
+            <p:nvSpPr>
+              <p:cNvPr id="9" name="矩形: 圆角 8">
+                <a:extLst>
+                  <a:ext uri="{FF2B5EF4-FFF2-40B4-BE49-F238E27FC236}">
+                    <a16:creationId xmlns:a16="http://schemas.microsoft.com/office/drawing/2014/main" id="{BADB8D0E-496B-C358-D2C0-B68B8F713681}"/>
+                  </a:ext>
+                </a:extLst>
+              </p:cNvPr>
+              <p:cNvSpPr/>
+              <p:nvPr/>
+            </p:nvSpPr>
+            <p:spPr>
+              <a:xfrm>
+                <a:off x="3295225" y="1728893"/>
+                <a:ext cx="2397760" cy="3400214"/>
+              </a:xfrm>
+              <a:prstGeom prst="roundRect">
+                <a:avLst>
+                  <a:gd name="adj" fmla="val 50000"/>
+                </a:avLst>
+              </a:prstGeom>
+              <a:solidFill>
+                <a:schemeClr val="bg1"/>
+              </a:solidFill>
+              <a:ln w="57150">
+                <a:solidFill>
+                  <a:schemeClr val="tx1"/>
+                </a:solidFill>
+              </a:ln>
+            </p:spPr>
+            <p:style>
+              <a:lnRef idx="2">
+                <a:schemeClr val="accent1">
+                  <a:shade val="15000"/>
+                </a:schemeClr>
+              </a:lnRef>
+              <a:fillRef idx="1">
+                <a:schemeClr val="accent1"/>
+              </a:fillRef>
+              <a:effectRef idx="0">
+                <a:schemeClr val="accent1"/>
+              </a:effectRef>
+              <a:fontRef idx="minor">
+                <a:schemeClr val="lt1"/>
+              </a:fontRef>
+            </p:style>
+            <p:txBody>
+              <a:bodyPr rtlCol="0" anchor="ctr"/>
+              <a:lstStyle/>
+              <a:p>
+                <a:pPr algn="ctr"/>
+                <a:endParaRPr lang="zh-CN" altLang="en-US"/>
+              </a:p>
+            </p:txBody>
+          </p:sp>
+          <p:cxnSp>
+            <p:nvCxnSpPr>
+              <p:cNvPr id="10" name="直接连接符 9">
+                <a:extLst>
+                  <a:ext uri="{FF2B5EF4-FFF2-40B4-BE49-F238E27FC236}">
+                    <a16:creationId xmlns:a16="http://schemas.microsoft.com/office/drawing/2014/main" id="{22FEF690-511E-700B-C92D-2BB16FCF62E9}"/>
+                  </a:ext>
+                </a:extLst>
+              </p:cNvPr>
+              <p:cNvCxnSpPr/>
+              <p:nvPr/>
+            </p:nvCxnSpPr>
+            <p:spPr>
+              <a:xfrm>
+                <a:off x="3271520" y="2804160"/>
+                <a:ext cx="2418080" cy="0"/>
+              </a:xfrm>
+              <a:prstGeom prst="line">
+                <a:avLst/>
+              </a:prstGeom>
+              <a:ln w="38100">
+                <a:solidFill>
+                  <a:schemeClr val="tx1"/>
+                </a:solidFill>
+              </a:ln>
+            </p:spPr>
+            <p:style>
+              <a:lnRef idx="1">
+                <a:schemeClr val="accent1"/>
+              </a:lnRef>
+              <a:fillRef idx="0">
+                <a:schemeClr val="accent1"/>
+              </a:fillRef>
+              <a:effectRef idx="0">
+                <a:schemeClr val="accent1"/>
+              </a:effectRef>
+              <a:fontRef idx="minor">
+                <a:schemeClr val="tx1"/>
+              </a:fontRef>
+            </p:style>
+          </p:cxnSp>
+          <p:sp>
+            <p:nvSpPr>
+              <p:cNvPr id="22" name="矩形: 圆角 21">
+                <a:extLst>
+                  <a:ext uri="{FF2B5EF4-FFF2-40B4-BE49-F238E27FC236}">
+                    <a16:creationId xmlns:a16="http://schemas.microsoft.com/office/drawing/2014/main" id="{D4929C24-299D-8FB8-7B7B-2046895CBDEE}"/>
+                  </a:ext>
+                </a:extLst>
+              </p:cNvPr>
+              <p:cNvSpPr/>
+              <p:nvPr/>
+            </p:nvSpPr>
+            <p:spPr>
+              <a:xfrm>
+                <a:off x="4328159" y="1954089"/>
+                <a:ext cx="304801" cy="770485"/>
+              </a:xfrm>
+              <a:prstGeom prst="roundRect">
+                <a:avLst>
+                  <a:gd name="adj" fmla="val 50000"/>
+                </a:avLst>
+              </a:prstGeom>
+              <a:noFill/>
+              <a:ln w="28575">
+                <a:solidFill>
+                  <a:schemeClr val="tx1"/>
+                </a:solidFill>
+              </a:ln>
+            </p:spPr>
+            <p:style>
+              <a:lnRef idx="2">
+                <a:schemeClr val="accent1">
+                  <a:shade val="15000"/>
+                </a:schemeClr>
+              </a:lnRef>
+              <a:fillRef idx="1">
+                <a:schemeClr val="accent1"/>
+              </a:fillRef>
+              <a:effectRef idx="0">
+                <a:schemeClr val="accent1"/>
+              </a:effectRef>
+              <a:fontRef idx="minor">
+                <a:schemeClr val="lt1"/>
+              </a:fontRef>
+            </p:style>
+            <p:txBody>
+              <a:bodyPr rtlCol="0" anchor="ctr"/>
+              <a:lstStyle/>
+              <a:p>
+                <a:pPr algn="ctr"/>
+                <a:endParaRPr lang="zh-CN" altLang="en-US"/>
+              </a:p>
+            </p:txBody>
+          </p:sp>
+          <p:cxnSp>
+            <p:nvCxnSpPr>
+              <p:cNvPr id="23" name="直接连接符 22">
+                <a:extLst>
+                  <a:ext uri="{FF2B5EF4-FFF2-40B4-BE49-F238E27FC236}">
+                    <a16:creationId xmlns:a16="http://schemas.microsoft.com/office/drawing/2014/main" id="{67F74F63-D197-43F5-B0B9-707C94502DD6}"/>
+                  </a:ext>
+                </a:extLst>
+              </p:cNvPr>
+              <p:cNvCxnSpPr/>
+              <p:nvPr/>
+            </p:nvCxnSpPr>
+            <p:spPr>
+              <a:xfrm>
+                <a:off x="4328159" y="2153920"/>
+                <a:ext cx="304801" cy="0"/>
+              </a:xfrm>
+              <a:prstGeom prst="line">
+                <a:avLst/>
+              </a:prstGeom>
+              <a:ln w="12700">
+                <a:solidFill>
+                  <a:schemeClr val="tx1"/>
+                </a:solidFill>
+              </a:ln>
+            </p:spPr>
+            <p:style>
+              <a:lnRef idx="1">
+                <a:schemeClr val="accent1"/>
+              </a:lnRef>
+              <a:fillRef idx="0">
+                <a:schemeClr val="accent1"/>
+              </a:fillRef>
+              <a:effectRef idx="0">
+                <a:schemeClr val="accent1"/>
+              </a:effectRef>
+              <a:fontRef idx="minor">
+                <a:schemeClr val="tx1"/>
+              </a:fontRef>
+            </p:style>
+          </p:cxnSp>
+          <p:cxnSp>
+            <p:nvCxnSpPr>
+              <p:cNvPr id="24" name="直接连接符 23">
+                <a:extLst>
+                  <a:ext uri="{FF2B5EF4-FFF2-40B4-BE49-F238E27FC236}">
+                    <a16:creationId xmlns:a16="http://schemas.microsoft.com/office/drawing/2014/main" id="{64BC85BF-ECAF-633F-CB82-762CA6C68896}"/>
+                  </a:ext>
+                </a:extLst>
+              </p:cNvPr>
+              <p:cNvCxnSpPr/>
+              <p:nvPr/>
+            </p:nvCxnSpPr>
+            <p:spPr>
+              <a:xfrm>
+                <a:off x="4328158" y="2322825"/>
+                <a:ext cx="304801" cy="0"/>
+              </a:xfrm>
+              <a:prstGeom prst="line">
+                <a:avLst/>
+              </a:prstGeom>
+              <a:ln w="12700">
+                <a:solidFill>
+                  <a:schemeClr val="tx1"/>
+                </a:solidFill>
+              </a:ln>
+            </p:spPr>
+            <p:style>
+              <a:lnRef idx="1">
+                <a:schemeClr val="accent1"/>
+              </a:lnRef>
+              <a:fillRef idx="0">
+                <a:schemeClr val="accent1"/>
+              </a:fillRef>
+              <a:effectRef idx="0">
+                <a:schemeClr val="accent1"/>
+              </a:effectRef>
+              <a:fontRef idx="minor">
+                <a:schemeClr val="tx1"/>
+              </a:fontRef>
+            </p:style>
+          </p:cxnSp>
+          <p:cxnSp>
+            <p:nvCxnSpPr>
+              <p:cNvPr id="25" name="直接连接符 24">
+                <a:extLst>
+                  <a:ext uri="{FF2B5EF4-FFF2-40B4-BE49-F238E27FC236}">
+                    <a16:creationId xmlns:a16="http://schemas.microsoft.com/office/drawing/2014/main" id="{9F093B9A-BC4D-CD74-848F-4E868B80B97D}"/>
+                  </a:ext>
+                </a:extLst>
+              </p:cNvPr>
+              <p:cNvCxnSpPr/>
+              <p:nvPr/>
+            </p:nvCxnSpPr>
+            <p:spPr>
+              <a:xfrm>
+                <a:off x="4328157" y="2491731"/>
+                <a:ext cx="304801" cy="0"/>
+              </a:xfrm>
+              <a:prstGeom prst="line">
+                <a:avLst/>
+              </a:prstGeom>
+              <a:ln w="12700">
+                <a:solidFill>
+                  <a:schemeClr val="tx1"/>
+                </a:solidFill>
+              </a:ln>
+            </p:spPr>
+            <p:style>
+              <a:lnRef idx="1">
+                <a:schemeClr val="accent1"/>
+              </a:lnRef>
+              <a:fillRef idx="0">
+                <a:schemeClr val="accent1"/>
+              </a:fillRef>
+              <a:effectRef idx="0">
+                <a:schemeClr val="accent1"/>
+              </a:effectRef>
+              <a:fontRef idx="minor">
+                <a:schemeClr val="tx1"/>
+              </a:fontRef>
+            </p:style>
+          </p:cxnSp>
+        </p:grpSp>
+        <p:grpSp>
+          <p:nvGrpSpPr>
+            <p:cNvPr id="28" name="组合 27">
+              <a:extLst>
+                <a:ext uri="{FF2B5EF4-FFF2-40B4-BE49-F238E27FC236}">
+                  <a16:creationId xmlns:a16="http://schemas.microsoft.com/office/drawing/2014/main" id="{64C91F99-2225-EDF4-4B97-70EDDC195023}"/>
+                </a:ext>
+              </a:extLst>
+            </p:cNvPr>
+            <p:cNvGrpSpPr/>
+            <p:nvPr/>
+          </p:nvGrpSpPr>
+          <p:grpSpPr>
+            <a:xfrm>
+              <a:off x="8358004" y="1633533"/>
+              <a:ext cx="928782" cy="1571782"/>
+              <a:chOff x="3271520" y="1031250"/>
+              <a:chExt cx="2421465" cy="4097857"/>
+            </a:xfrm>
+          </p:grpSpPr>
+          <p:sp>
+            <p:nvSpPr>
+              <p:cNvPr id="29" name="椭圆 28">
+                <a:extLst>
+                  <a:ext uri="{FF2B5EF4-FFF2-40B4-BE49-F238E27FC236}">
+                    <a16:creationId xmlns:a16="http://schemas.microsoft.com/office/drawing/2014/main" id="{1DB96C4E-CE8C-5191-488A-0582D0C1E94C}"/>
+                  </a:ext>
+                </a:extLst>
+              </p:cNvPr>
+              <p:cNvSpPr/>
+              <p:nvPr/>
+            </p:nvSpPr>
+            <p:spPr>
+              <a:xfrm>
+                <a:off x="3716877" y="1031250"/>
+                <a:ext cx="1554456" cy="1554456"/>
+              </a:xfrm>
+              <a:prstGeom prst="ellipse">
+                <a:avLst/>
+              </a:prstGeom>
+              <a:noFill/>
+              <a:ln w="38100">
+                <a:solidFill>
+                  <a:schemeClr val="accent2">
+                    <a:lumMod val="75000"/>
+                  </a:schemeClr>
+                </a:solidFill>
+                <a:prstDash val="sysDot"/>
+              </a:ln>
+            </p:spPr>
+            <p:style>
+              <a:lnRef idx="2">
+                <a:schemeClr val="accent1">
+                  <a:shade val="15000"/>
+                </a:schemeClr>
+              </a:lnRef>
+              <a:fillRef idx="1">
+                <a:schemeClr val="accent1"/>
+              </a:fillRef>
+              <a:effectRef idx="0">
+                <a:schemeClr val="accent1"/>
+              </a:effectRef>
+              <a:fontRef idx="minor">
+                <a:schemeClr val="lt1"/>
+              </a:fontRef>
+            </p:style>
+            <p:txBody>
+              <a:bodyPr rtlCol="0" anchor="ctr"/>
+              <a:lstStyle/>
+              <a:p>
+                <a:pPr algn="ctr"/>
+                <a:endParaRPr lang="zh-CN" altLang="en-US"/>
+              </a:p>
+            </p:txBody>
+          </p:sp>
+          <p:sp>
+            <p:nvSpPr>
+              <p:cNvPr id="30" name="矩形: 圆角 29">
+                <a:extLst>
+                  <a:ext uri="{FF2B5EF4-FFF2-40B4-BE49-F238E27FC236}">
+                    <a16:creationId xmlns:a16="http://schemas.microsoft.com/office/drawing/2014/main" id="{588F3C1B-BFF9-B3F0-C954-621510B6AF5D}"/>
+                  </a:ext>
+                </a:extLst>
+              </p:cNvPr>
+              <p:cNvSpPr/>
+              <p:nvPr/>
+            </p:nvSpPr>
+            <p:spPr>
+              <a:xfrm>
+                <a:off x="3295225" y="1728893"/>
+                <a:ext cx="2397760" cy="3400214"/>
+              </a:xfrm>
+              <a:prstGeom prst="roundRect">
+                <a:avLst>
+                  <a:gd name="adj" fmla="val 50000"/>
+                </a:avLst>
+              </a:prstGeom>
+              <a:solidFill>
+                <a:schemeClr val="bg1"/>
+              </a:solidFill>
+              <a:ln w="57150">
+                <a:solidFill>
+                  <a:schemeClr val="tx1"/>
+                </a:solidFill>
+              </a:ln>
+            </p:spPr>
+            <p:style>
+              <a:lnRef idx="2">
+                <a:schemeClr val="accent1">
+                  <a:shade val="15000"/>
+                </a:schemeClr>
+              </a:lnRef>
+              <a:fillRef idx="1">
+                <a:schemeClr val="accent1"/>
+              </a:fillRef>
+              <a:effectRef idx="0">
+                <a:schemeClr val="accent1"/>
+              </a:effectRef>
+              <a:fontRef idx="minor">
+                <a:schemeClr val="lt1"/>
+              </a:fontRef>
+            </p:style>
+            <p:txBody>
+              <a:bodyPr rtlCol="0" anchor="ctr"/>
+              <a:lstStyle/>
+              <a:p>
+                <a:pPr algn="ctr"/>
+                <a:endParaRPr lang="zh-CN" altLang="en-US"/>
+              </a:p>
+            </p:txBody>
+          </p:sp>
+          <p:cxnSp>
+            <p:nvCxnSpPr>
+              <p:cNvPr id="31" name="直接连接符 30">
+                <a:extLst>
+                  <a:ext uri="{FF2B5EF4-FFF2-40B4-BE49-F238E27FC236}">
+                    <a16:creationId xmlns:a16="http://schemas.microsoft.com/office/drawing/2014/main" id="{7448E525-06ED-5B6C-E05B-C1E16BE4FE19}"/>
+                  </a:ext>
+                </a:extLst>
+              </p:cNvPr>
+              <p:cNvCxnSpPr/>
+              <p:nvPr/>
+            </p:nvCxnSpPr>
+            <p:spPr>
+              <a:xfrm>
+                <a:off x="3271520" y="2804160"/>
+                <a:ext cx="2418080" cy="0"/>
+              </a:xfrm>
+              <a:prstGeom prst="line">
+                <a:avLst/>
+              </a:prstGeom>
+              <a:ln w="38100">
+                <a:solidFill>
+                  <a:schemeClr val="tx1"/>
+                </a:solidFill>
+              </a:ln>
+            </p:spPr>
+            <p:style>
+              <a:lnRef idx="1">
+                <a:schemeClr val="accent1"/>
+              </a:lnRef>
+              <a:fillRef idx="0">
+                <a:schemeClr val="accent1"/>
+              </a:fillRef>
+              <a:effectRef idx="0">
+                <a:schemeClr val="accent1"/>
+              </a:effectRef>
+              <a:fontRef idx="minor">
+                <a:schemeClr val="tx1"/>
+              </a:fontRef>
+            </p:style>
+          </p:cxnSp>
+          <p:sp>
+            <p:nvSpPr>
+              <p:cNvPr id="32" name="矩形: 圆角 31">
+                <a:extLst>
+                  <a:ext uri="{FF2B5EF4-FFF2-40B4-BE49-F238E27FC236}">
+                    <a16:creationId xmlns:a16="http://schemas.microsoft.com/office/drawing/2014/main" id="{63813950-6967-1A40-784B-F777E067C5B7}"/>
+                  </a:ext>
+                </a:extLst>
+              </p:cNvPr>
+              <p:cNvSpPr/>
+              <p:nvPr/>
+            </p:nvSpPr>
+            <p:spPr>
+              <a:xfrm>
+                <a:off x="4328159" y="1954089"/>
+                <a:ext cx="304801" cy="770485"/>
+              </a:xfrm>
+              <a:prstGeom prst="roundRect">
+                <a:avLst>
+                  <a:gd name="adj" fmla="val 50000"/>
+                </a:avLst>
+              </a:prstGeom>
+              <a:noFill/>
+              <a:ln w="28575">
+                <a:solidFill>
+                  <a:schemeClr val="tx1"/>
+                </a:solidFill>
+              </a:ln>
+            </p:spPr>
+            <p:style>
+              <a:lnRef idx="2">
+                <a:schemeClr val="accent1">
+                  <a:shade val="15000"/>
+                </a:schemeClr>
+              </a:lnRef>
+              <a:fillRef idx="1">
+                <a:schemeClr val="accent1"/>
+              </a:fillRef>
+              <a:effectRef idx="0">
+                <a:schemeClr val="accent1"/>
+              </a:effectRef>
+              <a:fontRef idx="minor">
+                <a:schemeClr val="lt1"/>
+              </a:fontRef>
+            </p:style>
+            <p:txBody>
+              <a:bodyPr rtlCol="0" anchor="ctr"/>
+              <a:lstStyle/>
+              <a:p>
+                <a:pPr algn="ctr"/>
+                <a:endParaRPr lang="zh-CN" altLang="en-US"/>
+              </a:p>
+            </p:txBody>
+          </p:sp>
+          <p:cxnSp>
+            <p:nvCxnSpPr>
+              <p:cNvPr id="33" name="直接连接符 32">
+                <a:extLst>
+                  <a:ext uri="{FF2B5EF4-FFF2-40B4-BE49-F238E27FC236}">
+                    <a16:creationId xmlns:a16="http://schemas.microsoft.com/office/drawing/2014/main" id="{24AE2D32-768B-DFC2-1B3D-0567BCB82B4D}"/>
+                  </a:ext>
+                </a:extLst>
+              </p:cNvPr>
+              <p:cNvCxnSpPr/>
+              <p:nvPr/>
+            </p:nvCxnSpPr>
+            <p:spPr>
+              <a:xfrm>
+                <a:off x="4328159" y="2153920"/>
+                <a:ext cx="304801" cy="0"/>
+              </a:xfrm>
+              <a:prstGeom prst="line">
+                <a:avLst/>
+              </a:prstGeom>
+              <a:ln w="12700">
+                <a:solidFill>
+                  <a:schemeClr val="tx1"/>
+                </a:solidFill>
+              </a:ln>
+            </p:spPr>
+            <p:style>
+              <a:lnRef idx="1">
+                <a:schemeClr val="accent1"/>
+              </a:lnRef>
+              <a:fillRef idx="0">
+                <a:schemeClr val="accent1"/>
+              </a:fillRef>
+              <a:effectRef idx="0">
+                <a:schemeClr val="accent1"/>
+              </a:effectRef>
+              <a:fontRef idx="minor">
+                <a:schemeClr val="tx1"/>
+              </a:fontRef>
+            </p:style>
+          </p:cxnSp>
+          <p:cxnSp>
+            <p:nvCxnSpPr>
+              <p:cNvPr id="34" name="直接连接符 33">
+                <a:extLst>
+                  <a:ext uri="{FF2B5EF4-FFF2-40B4-BE49-F238E27FC236}">
+                    <a16:creationId xmlns:a16="http://schemas.microsoft.com/office/drawing/2014/main" id="{4E2B9178-4468-4885-51E9-1BF6856D415C}"/>
+                  </a:ext>
+                </a:extLst>
+              </p:cNvPr>
+              <p:cNvCxnSpPr/>
+              <p:nvPr/>
+            </p:nvCxnSpPr>
+            <p:spPr>
+              <a:xfrm>
+                <a:off x="4328158" y="2322825"/>
+                <a:ext cx="304801" cy="0"/>
+              </a:xfrm>
+              <a:prstGeom prst="line">
+                <a:avLst/>
+              </a:prstGeom>
+              <a:ln w="12700">
+                <a:solidFill>
+                  <a:schemeClr val="tx1"/>
+                </a:solidFill>
+              </a:ln>
+            </p:spPr>
+            <p:style>
+              <a:lnRef idx="1">
+                <a:schemeClr val="accent1"/>
+              </a:lnRef>
+              <a:fillRef idx="0">
+                <a:schemeClr val="accent1"/>
+              </a:fillRef>
+              <a:effectRef idx="0">
+                <a:schemeClr val="accent1"/>
+              </a:effectRef>
+              <a:fontRef idx="minor">
+                <a:schemeClr val="tx1"/>
+              </a:fontRef>
+            </p:style>
+          </p:cxnSp>
+          <p:cxnSp>
+            <p:nvCxnSpPr>
+              <p:cNvPr id="35" name="直接连接符 34">
+                <a:extLst>
+                  <a:ext uri="{FF2B5EF4-FFF2-40B4-BE49-F238E27FC236}">
+                    <a16:creationId xmlns:a16="http://schemas.microsoft.com/office/drawing/2014/main" id="{F864C493-62B4-C6C3-8EBC-EA75E0F58DB9}"/>
+                  </a:ext>
+                </a:extLst>
+              </p:cNvPr>
+              <p:cNvCxnSpPr/>
+              <p:nvPr/>
+            </p:nvCxnSpPr>
+            <p:spPr>
+              <a:xfrm>
+                <a:off x="4328157" y="2491731"/>
+                <a:ext cx="304801" cy="0"/>
+              </a:xfrm>
+              <a:prstGeom prst="line">
+                <a:avLst/>
+              </a:prstGeom>
+              <a:ln w="12700">
+                <a:solidFill>
+                  <a:schemeClr val="tx1"/>
+                </a:solidFill>
+              </a:ln>
+            </p:spPr>
+            <p:style>
+              <a:lnRef idx="1">
+                <a:schemeClr val="accent1"/>
+              </a:lnRef>
+              <a:fillRef idx="0">
+                <a:schemeClr val="accent1"/>
+              </a:fillRef>
+              <a:effectRef idx="0">
+                <a:schemeClr val="accent1"/>
+              </a:effectRef>
+              <a:fontRef idx="minor">
+                <a:schemeClr val="tx1"/>
+              </a:fontRef>
+            </p:style>
+          </p:cxnSp>
+        </p:grpSp>
+      </p:grpSp>
+    </p:spTree>
+    <p:extLst>
+      <p:ext uri="{BB962C8B-B14F-4D97-AF65-F5344CB8AC3E}">
+        <p14:creationId xmlns:p14="http://schemas.microsoft.com/office/powerpoint/2010/main" val="1870857834"/>
+      </p:ext>
+    </p:extLst>
+  </p:cSld>
+  <p:clrMapOvr>
+    <a:masterClrMapping/>
+  </p:clrMapOvr>
+</p:sld>
+</file>
+
 <file path=ppt/theme/theme1.xml><?xml version="1.0" encoding="utf-8"?>
 <a:theme xmlns:a="http://schemas.openxmlformats.org/drawingml/2006/main" name="Office 主题​​">
   <a:themeElements>
